--- a/移动互联导论作业-软件1607-20165018-岑哲栋.pptx
+++ b/移动互联导论作业-软件1607-20165018-岑哲栋.pptx
@@ -5,10 +5,10 @@
     <p:sldMasterId id="2147483648" r:id="rId1"/>
   </p:sldMasterIdLst>
   <p:notesMasterIdLst>
-    <p:notesMasterId r:id="rId20"/>
+    <p:notesMasterId r:id="rId19"/>
   </p:notesMasterIdLst>
   <p:handoutMasterIdLst>
-    <p:handoutMasterId r:id="rId21"/>
+    <p:handoutMasterId r:id="rId20"/>
   </p:handoutMasterIdLst>
   <p:sldIdLst>
     <p:sldId id="380" r:id="rId2"/>
@@ -22,18 +22,17 @@
     <p:sldId id="327" r:id="rId10"/>
     <p:sldId id="403" r:id="rId11"/>
     <p:sldId id="400" r:id="rId12"/>
-    <p:sldId id="386" r:id="rId13"/>
-    <p:sldId id="394" r:id="rId14"/>
-    <p:sldId id="393" r:id="rId15"/>
-    <p:sldId id="382" r:id="rId16"/>
-    <p:sldId id="395" r:id="rId17"/>
-    <p:sldId id="286" r:id="rId18"/>
-    <p:sldId id="397" r:id="rId19"/>
+    <p:sldId id="394" r:id="rId13"/>
+    <p:sldId id="393" r:id="rId14"/>
+    <p:sldId id="382" r:id="rId15"/>
+    <p:sldId id="395" r:id="rId16"/>
+    <p:sldId id="286" r:id="rId17"/>
+    <p:sldId id="397" r:id="rId18"/>
   </p:sldIdLst>
   <p:sldSz cx="12192000" cy="6858000"/>
   <p:notesSz cx="6858000" cy="9144000"/>
   <p:custDataLst>
-    <p:tags r:id="rId22"/>
+    <p:tags r:id="rId21"/>
   </p:custDataLst>
   <p:defaultTextStyle>
     <a:defPPr>
@@ -276,7 +275,7 @@
           <a:p>
             <a:fld id="{26A9B7B9-572E-4765-8917-F290920783FD}" type="datetimeFigureOut">
               <a:rPr lang="en-US" smtClean="0"/>
-              <a:t>12/20/2018</a:t>
+              <a:t>12/21/2018</a:t>
             </a:fld>
             <a:endParaRPr lang="en-US"/>
           </a:p>
@@ -442,7 +441,7 @@
           <a:p>
             <a:fld id="{4B54BA81-6A69-41D6-AE52-62521AF76217}" type="datetimeFigureOut">
               <a:rPr lang="en-US" smtClean="0"/>
-              <a:t>12/20/2018</a:t>
+              <a:t>12/21/2018</a:t>
             </a:fld>
             <a:endParaRPr lang="en-US"/>
           </a:p>
@@ -944,7 +943,7 @@
     </p:spTree>
     <p:extLst>
       <p:ext uri="{BB962C8B-B14F-4D97-AF65-F5344CB8AC3E}">
-        <p14:creationId xmlns:p14="http://schemas.microsoft.com/office/powerpoint/2010/main" val="2145946370"/>
+        <p14:creationId xmlns:p14="http://schemas.microsoft.com/office/powerpoint/2010/main" val="3435641014"/>
       </p:ext>
     </p:extLst>
   </p:cSld>
@@ -1002,10 +1001,33 @@
           </a:p>
         </p:txBody>
       </p:sp>
+      <p:sp>
+        <p:nvSpPr>
+          <p:cNvPr id="4" name="灯片编号占位符 3"/>
+          <p:cNvSpPr>
+            <a:spLocks noGrp="1"/>
+          </p:cNvSpPr>
+          <p:nvPr>
+            <p:ph type="sldNum" sz="quarter" idx="10"/>
+          </p:nvPr>
+        </p:nvSpPr>
+        <p:spPr/>
+        <p:txBody>
+          <a:bodyPr/>
+          <a:lstStyle/>
+          <a:p>
+            <a:fld id="{A26B02EC-97C0-4E19-AA45-E904FCC1D11E}" type="slidenum">
+              <a:rPr lang="en-GB" smtClean="0"/>
+              <a:t>13</a:t>
+            </a:fld>
+            <a:endParaRPr lang="en-GB"/>
+          </a:p>
+        </p:txBody>
+      </p:sp>
     </p:spTree>
     <p:extLst>
       <p:ext uri="{BB962C8B-B14F-4D97-AF65-F5344CB8AC3E}">
-        <p14:creationId xmlns:p14="http://schemas.microsoft.com/office/powerpoint/2010/main" val="3435641014"/>
+        <p14:creationId xmlns:p14="http://schemas.microsoft.com/office/powerpoint/2010/main" val="3339804694"/>
       </p:ext>
     </p:extLst>
   </p:cSld>
@@ -1063,33 +1085,10 @@
           </a:p>
         </p:txBody>
       </p:sp>
-      <p:sp>
-        <p:nvSpPr>
-          <p:cNvPr id="4" name="灯片编号占位符 3"/>
-          <p:cNvSpPr>
-            <a:spLocks noGrp="1"/>
-          </p:cNvSpPr>
-          <p:nvPr>
-            <p:ph type="sldNum" sz="quarter" idx="10"/>
-          </p:nvPr>
-        </p:nvSpPr>
-        <p:spPr/>
-        <p:txBody>
-          <a:bodyPr/>
-          <a:lstStyle/>
-          <a:p>
-            <a:fld id="{A26B02EC-97C0-4E19-AA45-E904FCC1D11E}" type="slidenum">
-              <a:rPr lang="en-GB" smtClean="0"/>
-              <a:t>14</a:t>
-            </a:fld>
-            <a:endParaRPr lang="en-GB"/>
-          </a:p>
-        </p:txBody>
-      </p:sp>
     </p:spTree>
     <p:extLst>
       <p:ext uri="{BB962C8B-B14F-4D97-AF65-F5344CB8AC3E}">
-        <p14:creationId xmlns:p14="http://schemas.microsoft.com/office/powerpoint/2010/main" val="3339804694"/>
+        <p14:creationId xmlns:p14="http://schemas.microsoft.com/office/powerpoint/2010/main" val="334353408"/>
       </p:ext>
     </p:extLst>
   </p:cSld>
@@ -1150,7 +1149,7 @@
     </p:spTree>
     <p:extLst>
       <p:ext uri="{BB962C8B-B14F-4D97-AF65-F5344CB8AC3E}">
-        <p14:creationId xmlns:p14="http://schemas.microsoft.com/office/powerpoint/2010/main" val="334353408"/>
+        <p14:creationId xmlns:p14="http://schemas.microsoft.com/office/powerpoint/2010/main" val="1186503694"/>
       </p:ext>
     </p:extLst>
   </p:cSld>
@@ -1211,7 +1210,7 @@
     </p:spTree>
     <p:extLst>
       <p:ext uri="{BB962C8B-B14F-4D97-AF65-F5344CB8AC3E}">
-        <p14:creationId xmlns:p14="http://schemas.microsoft.com/office/powerpoint/2010/main" val="1186503694"/>
+        <p14:creationId xmlns:p14="http://schemas.microsoft.com/office/powerpoint/2010/main" val="2837861885"/>
       </p:ext>
     </p:extLst>
   </p:cSld>
@@ -1222,67 +1221,6 @@
 </file>
 
 <file path=ppt/notesSlides/notesSlide17.xml><?xml version="1.0" encoding="utf-8"?>
-<p:notes xmlns:a="http://schemas.openxmlformats.org/drawingml/2006/main" xmlns:r="http://schemas.openxmlformats.org/officeDocument/2006/relationships" xmlns:p="http://schemas.openxmlformats.org/presentationml/2006/main">
-  <p:cSld>
-    <p:spTree>
-      <p:nvGrpSpPr>
-        <p:cNvPr id="1" name=""/>
-        <p:cNvGrpSpPr/>
-        <p:nvPr/>
-      </p:nvGrpSpPr>
-      <p:grpSpPr>
-        <a:xfrm>
-          <a:off x="0" y="0"/>
-          <a:ext cx="0" cy="0"/>
-          <a:chOff x="0" y="0"/>
-          <a:chExt cx="0" cy="0"/>
-        </a:xfrm>
-      </p:grpSpPr>
-      <p:sp>
-        <p:nvSpPr>
-          <p:cNvPr id="2" name="幻灯片图像占位符 1"/>
-          <p:cNvSpPr>
-            <a:spLocks noGrp="1" noRot="1" noChangeAspect="1"/>
-          </p:cNvSpPr>
-          <p:nvPr>
-            <p:ph type="sldImg"/>
-          </p:nvPr>
-        </p:nvSpPr>
-        <p:spPr/>
-      </p:sp>
-      <p:sp>
-        <p:nvSpPr>
-          <p:cNvPr id="3" name="备注占位符 2"/>
-          <p:cNvSpPr>
-            <a:spLocks noGrp="1"/>
-          </p:cNvSpPr>
-          <p:nvPr>
-            <p:ph type="body" idx="1"/>
-          </p:nvPr>
-        </p:nvSpPr>
-        <p:spPr/>
-        <p:txBody>
-          <a:bodyPr/>
-          <a:lstStyle/>
-          <a:p>
-            <a:endParaRPr lang="zh-CN" altLang="en-US"/>
-          </a:p>
-        </p:txBody>
-      </p:sp>
-    </p:spTree>
-    <p:extLst>
-      <p:ext uri="{BB962C8B-B14F-4D97-AF65-F5344CB8AC3E}">
-        <p14:creationId xmlns:p14="http://schemas.microsoft.com/office/powerpoint/2010/main" val="2837861885"/>
-      </p:ext>
-    </p:extLst>
-  </p:cSld>
-  <p:clrMapOvr>
-    <a:masterClrMapping/>
-  </p:clrMapOvr>
-</p:notes>
-</file>
-
-<file path=ppt/notesSlides/notesSlide18.xml><?xml version="1.0" encoding="utf-8"?>
 <p:notes xmlns:a="http://schemas.openxmlformats.org/drawingml/2006/main" xmlns:r="http://schemas.openxmlformats.org/officeDocument/2006/relationships" xmlns:p="http://schemas.openxmlformats.org/presentationml/2006/main">
   <p:cSld>
     <p:spTree>
@@ -7476,816 +7414,6 @@
           <a:chExt cx="0" cy="0"/>
         </a:xfrm>
       </p:grpSpPr>
-      <p:sp>
-        <p:nvSpPr>
-          <p:cNvPr id="47" name="TextBox 46"/>
-          <p:cNvSpPr txBox="1"/>
-          <p:nvPr/>
-        </p:nvSpPr>
-        <p:spPr>
-          <a:xfrm>
-            <a:off x="6803854" y="2321585"/>
-            <a:ext cx="704039" cy="646331"/>
-          </a:xfrm>
-          <a:prstGeom prst="rect">
-            <a:avLst/>
-          </a:prstGeom>
-          <a:noFill/>
-        </p:spPr>
-        <p:txBody>
-          <a:bodyPr wrap="none" rtlCol="0">
-            <a:spAutoFit/>
-          </a:bodyPr>
-          <a:lstStyle/>
-          <a:p>
-            <a:r>
-              <a:rPr lang="en-US" sz="3600">
-                <a:solidFill>
-                  <a:schemeClr val="tx1">
-                    <a:lumMod val="85000"/>
-                    <a:lumOff val="15000"/>
-                  </a:schemeClr>
-                </a:solidFill>
-                <a:latin typeface="Roboto" panose="02000000000000000000" pitchFamily="2" charset="0"/>
-                <a:ea typeface="Roboto" panose="02000000000000000000" pitchFamily="2" charset="0"/>
-              </a:rPr>
-              <a:t>01</a:t>
-            </a:r>
-          </a:p>
-        </p:txBody>
-      </p:sp>
-      <p:sp>
-        <p:nvSpPr>
-          <p:cNvPr id="48" name="TextBox 47"/>
-          <p:cNvSpPr txBox="1"/>
-          <p:nvPr/>
-        </p:nvSpPr>
-        <p:spPr>
-          <a:xfrm>
-            <a:off x="7454151" y="2440776"/>
-            <a:ext cx="1107996" cy="369332"/>
-          </a:xfrm>
-          <a:prstGeom prst="rect">
-            <a:avLst/>
-          </a:prstGeom>
-          <a:noFill/>
-        </p:spPr>
-        <p:txBody>
-          <a:bodyPr wrap="none" rtlCol="0">
-            <a:spAutoFit/>
-          </a:bodyPr>
-          <a:lstStyle/>
-          <a:p>
-            <a:pPr algn="ctr" defTabSz="1176924"/>
-            <a:r>
-              <a:rPr lang="zh-CN" altLang="en-US" dirty="0">
-                <a:solidFill>
-                  <a:schemeClr val="tx1">
-                    <a:lumMod val="85000"/>
-                    <a:lumOff val="15000"/>
-                  </a:schemeClr>
-                </a:solidFill>
-                <a:latin typeface="幼圆" panose="02010509060101010101" pitchFamily="49" charset="-122"/>
-                <a:ea typeface="幼圆" panose="02010509060101010101" pitchFamily="49" charset="-122"/>
-              </a:rPr>
-              <a:t>添加标题</a:t>
-            </a:r>
-            <a:endParaRPr lang="en-US" altLang="zh-CN" dirty="0">
-              <a:solidFill>
-                <a:schemeClr val="tx1">
-                  <a:lumMod val="85000"/>
-                  <a:lumOff val="15000"/>
-                </a:schemeClr>
-              </a:solidFill>
-              <a:latin typeface="幼圆" panose="02010509060101010101" pitchFamily="49" charset="-122"/>
-              <a:ea typeface="幼圆" panose="02010509060101010101" pitchFamily="49" charset="-122"/>
-            </a:endParaRPr>
-          </a:p>
-        </p:txBody>
-      </p:sp>
-      <p:sp>
-        <p:nvSpPr>
-          <p:cNvPr id="49" name="Rectangle 48"/>
-          <p:cNvSpPr/>
-          <p:nvPr/>
-        </p:nvSpPr>
-        <p:spPr>
-          <a:xfrm>
-            <a:off x="6743701" y="3021631"/>
-            <a:ext cx="5143500" cy="646331"/>
-          </a:xfrm>
-          <a:prstGeom prst="rect">
-            <a:avLst/>
-          </a:prstGeom>
-        </p:spPr>
-        <p:txBody>
-          <a:bodyPr wrap="square">
-            <a:spAutoFit/>
-          </a:bodyPr>
-          <a:lstStyle/>
-          <a:p>
-            <a:r>
-              <a:rPr lang="en-US" sz="900">
-                <a:solidFill>
-                  <a:schemeClr val="tx1">
-                    <a:lumMod val="85000"/>
-                    <a:lumOff val="15000"/>
-                  </a:schemeClr>
-                </a:solidFill>
-                <a:latin typeface="Roboto" panose="02000000000000000000" pitchFamily="2" charset="0"/>
-                <a:ea typeface="Roboto" panose="02000000000000000000" pitchFamily="2" charset="0"/>
-                <a:cs typeface="Open Sans" panose="020B0606030504020204" pitchFamily="34" charset="0"/>
-              </a:rPr>
-              <a:t>Continually deliver market positioning manufactured products whereas maintainable customer service. Rapidiously actualize e-business materials before viral vortals. Compellingly deliver prospective catalysts for change before economically sound meta-services. Intrinsicly enable optimal results for error-free architectures. </a:t>
-            </a:r>
-          </a:p>
-        </p:txBody>
-      </p:sp>
-      <p:sp>
-        <p:nvSpPr>
-          <p:cNvPr id="51" name="TextBox 50"/>
-          <p:cNvSpPr txBox="1"/>
-          <p:nvPr/>
-        </p:nvSpPr>
-        <p:spPr>
-          <a:xfrm>
-            <a:off x="6743700" y="3806532"/>
-            <a:ext cx="710451" cy="230832"/>
-          </a:xfrm>
-          <a:prstGeom prst="rect">
-            <a:avLst/>
-          </a:prstGeom>
-          <a:noFill/>
-        </p:spPr>
-        <p:txBody>
-          <a:bodyPr wrap="none" rtlCol="0">
-            <a:spAutoFit/>
-          </a:bodyPr>
-          <a:lstStyle/>
-          <a:p>
-            <a:r>
-              <a:rPr lang="en-US" sz="900">
-                <a:solidFill>
-                  <a:schemeClr val="tx1">
-                    <a:lumMod val="85000"/>
-                    <a:lumOff val="15000"/>
-                  </a:schemeClr>
-                </a:solidFill>
-                <a:latin typeface="Roboto" panose="02000000000000000000" pitchFamily="2" charset="0"/>
-                <a:ea typeface="Roboto" panose="02000000000000000000" pitchFamily="2" charset="0"/>
-              </a:rPr>
-              <a:t>Marketing</a:t>
-            </a:r>
-          </a:p>
-        </p:txBody>
-      </p:sp>
-      <p:sp>
-        <p:nvSpPr>
-          <p:cNvPr id="52" name="TextBox 51"/>
-          <p:cNvSpPr txBox="1"/>
-          <p:nvPr/>
-        </p:nvSpPr>
-        <p:spPr>
-          <a:xfrm>
-            <a:off x="6803854" y="4037364"/>
-            <a:ext cx="704039" cy="646331"/>
-          </a:xfrm>
-          <a:prstGeom prst="rect">
-            <a:avLst/>
-          </a:prstGeom>
-          <a:noFill/>
-        </p:spPr>
-        <p:txBody>
-          <a:bodyPr wrap="none" rtlCol="0">
-            <a:spAutoFit/>
-          </a:bodyPr>
-          <a:lstStyle/>
-          <a:p>
-            <a:r>
-              <a:rPr lang="en-US" sz="3600" dirty="0">
-                <a:solidFill>
-                  <a:schemeClr val="tx1">
-                    <a:lumMod val="85000"/>
-                    <a:lumOff val="15000"/>
-                  </a:schemeClr>
-                </a:solidFill>
-                <a:latin typeface="Roboto" panose="02000000000000000000" pitchFamily="2" charset="0"/>
-                <a:ea typeface="Roboto" panose="02000000000000000000" pitchFamily="2" charset="0"/>
-              </a:rPr>
-              <a:t>02</a:t>
-            </a:r>
-          </a:p>
-        </p:txBody>
-      </p:sp>
-      <p:sp>
-        <p:nvSpPr>
-          <p:cNvPr id="53" name="TextBox 52"/>
-          <p:cNvSpPr txBox="1"/>
-          <p:nvPr/>
-        </p:nvSpPr>
-        <p:spPr>
-          <a:xfrm>
-            <a:off x="7464703" y="4175863"/>
-            <a:ext cx="1107996" cy="369332"/>
-          </a:xfrm>
-          <a:prstGeom prst="rect">
-            <a:avLst/>
-          </a:prstGeom>
-          <a:noFill/>
-        </p:spPr>
-        <p:txBody>
-          <a:bodyPr wrap="none" rtlCol="0">
-            <a:spAutoFit/>
-          </a:bodyPr>
-          <a:lstStyle/>
-          <a:p>
-            <a:pPr algn="ctr" defTabSz="1176924"/>
-            <a:r>
-              <a:rPr lang="zh-CN" altLang="en-US" dirty="0">
-                <a:solidFill>
-                  <a:schemeClr val="tx1">
-                    <a:lumMod val="85000"/>
-                    <a:lumOff val="15000"/>
-                  </a:schemeClr>
-                </a:solidFill>
-                <a:latin typeface="幼圆" panose="02010509060101010101" pitchFamily="49" charset="-122"/>
-                <a:ea typeface="幼圆" panose="02010509060101010101" pitchFamily="49" charset="-122"/>
-              </a:rPr>
-              <a:t>添加标题</a:t>
-            </a:r>
-            <a:endParaRPr lang="en-US" altLang="zh-CN" dirty="0">
-              <a:solidFill>
-                <a:schemeClr val="tx1">
-                  <a:lumMod val="85000"/>
-                  <a:lumOff val="15000"/>
-                </a:schemeClr>
-              </a:solidFill>
-              <a:latin typeface="幼圆" panose="02010509060101010101" pitchFamily="49" charset="-122"/>
-              <a:ea typeface="幼圆" panose="02010509060101010101" pitchFamily="49" charset="-122"/>
-            </a:endParaRPr>
-          </a:p>
-        </p:txBody>
-      </p:sp>
-      <p:sp>
-        <p:nvSpPr>
-          <p:cNvPr id="54" name="Rectangle 53"/>
-          <p:cNvSpPr/>
-          <p:nvPr/>
-        </p:nvSpPr>
-        <p:spPr>
-          <a:xfrm>
-            <a:off x="6743701" y="4737410"/>
-            <a:ext cx="5143500" cy="646331"/>
-          </a:xfrm>
-          <a:prstGeom prst="rect">
-            <a:avLst/>
-          </a:prstGeom>
-        </p:spPr>
-        <p:txBody>
-          <a:bodyPr wrap="square">
-            <a:spAutoFit/>
-          </a:bodyPr>
-          <a:lstStyle/>
-          <a:p>
-            <a:r>
-              <a:rPr lang="en-US" sz="900">
-                <a:solidFill>
-                  <a:schemeClr val="tx1">
-                    <a:lumMod val="85000"/>
-                    <a:lumOff val="15000"/>
-                  </a:schemeClr>
-                </a:solidFill>
-                <a:latin typeface="Roboto" panose="02000000000000000000" pitchFamily="2" charset="0"/>
-                <a:ea typeface="Roboto" panose="02000000000000000000" pitchFamily="2" charset="0"/>
-                <a:cs typeface="Open Sans" panose="020B0606030504020204" pitchFamily="34" charset="0"/>
-              </a:rPr>
-              <a:t>Continually deliver market positioning manufactured products whereas maintainable customer service. Rapidiously actualize e-business materials before viral vortals. Compellingly deliver prospective catalysts for change before economically sound meta-services. Intrinsicly enable optimal results for error-free architectures. </a:t>
-            </a:r>
-          </a:p>
-        </p:txBody>
-      </p:sp>
-      <p:pic>
-        <p:nvPicPr>
-          <p:cNvPr id="19" name="图片 18"/>
-          <p:cNvPicPr>
-            <a:picLocks noChangeAspect="1"/>
-          </p:cNvPicPr>
-          <p:nvPr/>
-        </p:nvPicPr>
-        <p:blipFill rotWithShape="1">
-          <a:blip r:embed="rId3" cstate="screen">
-            <a:extLst>
-              <a:ext uri="{28A0092B-C50C-407E-A947-70E740481C1C}">
-                <a14:useLocalDpi xmlns:a14="http://schemas.microsoft.com/office/drawing/2010/main"/>
-              </a:ext>
-            </a:extLst>
-          </a:blip>
-          <a:srcRect/>
-          <a:stretch/>
-        </p:blipFill>
-        <p:spPr>
-          <a:xfrm>
-            <a:off x="0" y="508000"/>
-            <a:ext cx="12192000" cy="699541"/>
-          </a:xfrm>
-          <a:prstGeom prst="rect">
-            <a:avLst/>
-          </a:prstGeom>
-        </p:spPr>
-      </p:pic>
-      <p:sp>
-        <p:nvSpPr>
-          <p:cNvPr id="20" name="Title 1"/>
-          <p:cNvSpPr txBox="1">
-            <a:spLocks/>
-          </p:cNvSpPr>
-          <p:nvPr/>
-        </p:nvSpPr>
-        <p:spPr>
-          <a:xfrm>
-            <a:off x="4584700" y="295001"/>
-            <a:ext cx="3022600" cy="1125538"/>
-          </a:xfrm>
-          <a:prstGeom prst="rect">
-            <a:avLst/>
-          </a:prstGeom>
-        </p:spPr>
-        <p:txBody>
-          <a:bodyPr vert="horz" lIns="91440" tIns="45720" rIns="91440" bIns="45720" rtlCol="0" anchor="ctr">
-            <a:normAutofit/>
-          </a:bodyPr>
-          <a:lstStyle>
-            <a:lvl1pPr algn="l" defTabSz="914400" rtl="0" eaLnBrk="1" latinLnBrk="0" hangingPunct="1">
-              <a:lnSpc>
-                <a:spcPct val="90000"/>
-              </a:lnSpc>
-              <a:spcBef>
-                <a:spcPct val="0"/>
-              </a:spcBef>
-              <a:buNone/>
-              <a:defRPr sz="4400" kern="1200">
-                <a:solidFill>
-                  <a:schemeClr val="tx1"/>
-                </a:solidFill>
-                <a:latin typeface="+mj-lt"/>
-                <a:ea typeface="+mj-ea"/>
-                <a:cs typeface="+mj-cs"/>
-              </a:defRPr>
-            </a:lvl1pPr>
-          </a:lstStyle>
-          <a:p>
-            <a:pPr algn="ctr" defTabSz="1176924"/>
-            <a:r>
-              <a:rPr lang="zh-CN" altLang="en-US" sz="2400" dirty="0">
-                <a:solidFill>
-                  <a:srgbClr val="3C3C3C"/>
-                </a:solidFill>
-                <a:latin typeface="幼圆" panose="02010509060101010101" pitchFamily="49" charset="-122"/>
-                <a:ea typeface="幼圆" panose="02010509060101010101" pitchFamily="49" charset="-122"/>
-              </a:rPr>
-              <a:t>添加标题</a:t>
-            </a:r>
-            <a:endParaRPr lang="en-GB" altLang="zh-CN" sz="2400" dirty="0">
-              <a:solidFill>
-                <a:srgbClr val="3C3C3C"/>
-              </a:solidFill>
-              <a:latin typeface="幼圆" panose="02010509060101010101" pitchFamily="49" charset="-122"/>
-              <a:ea typeface="幼圆" panose="02010509060101010101" pitchFamily="49" charset="-122"/>
-            </a:endParaRPr>
-          </a:p>
-        </p:txBody>
-      </p:sp>
-      <p:pic>
-        <p:nvPicPr>
-          <p:cNvPr id="4" name="图片 3"/>
-          <p:cNvPicPr>
-            <a:picLocks noChangeAspect="1"/>
-          </p:cNvPicPr>
-          <p:nvPr/>
-        </p:nvPicPr>
-        <p:blipFill>
-          <a:blip r:embed="rId4">
-            <a:extLst>
-              <a:ext uri="{28A0092B-C50C-407E-A947-70E740481C1C}">
-                <a14:useLocalDpi xmlns:a14="http://schemas.microsoft.com/office/drawing/2010/main"/>
-              </a:ext>
-            </a:extLst>
-          </a:blip>
-          <a:stretch>
-            <a:fillRect/>
-          </a:stretch>
-        </p:blipFill>
-        <p:spPr>
-          <a:xfrm>
-            <a:off x="502463" y="1951749"/>
-            <a:ext cx="5573486" cy="3709566"/>
-          </a:xfrm>
-          <a:prstGeom prst="rect">
-            <a:avLst/>
-          </a:prstGeom>
-        </p:spPr>
-      </p:pic>
-    </p:spTree>
-    <p:extLst>
-      <p:ext uri="{BB962C8B-B14F-4D97-AF65-F5344CB8AC3E}">
-        <p14:creationId xmlns:p14="http://schemas.microsoft.com/office/powerpoint/2010/main" val="197974545"/>
-      </p:ext>
-    </p:extLst>
-  </p:cSld>
-  <p:clrMapOvr>
-    <a:masterClrMapping/>
-  </p:clrMapOvr>
-  <mc:AlternateContent xmlns:mc="http://schemas.openxmlformats.org/markup-compatibility/2006" xmlns:p15="http://schemas.microsoft.com/office/powerpoint/2012/main">
-    <mc:Choice Requires="p15">
-      <p:transition xmlns:p14="http://schemas.microsoft.com/office/powerpoint/2010/main" spd="slow" p14:dur="1250">
-        <p15:prstTrans prst="pageCurlDouble"/>
-      </p:transition>
-    </mc:Choice>
-    <mc:Fallback xmlns="">
-      <p:transition spd="slow">
-        <p:fade/>
-      </p:transition>
-    </mc:Fallback>
-  </mc:AlternateContent>
-  <p:timing>
-    <p:tnLst>
-      <p:par>
-        <p:cTn id="1" dur="indefinite" restart="never" nodeType="tmRoot">
-          <p:childTnLst>
-            <p:seq concurrent="1" nextAc="seek">
-              <p:cTn id="2" dur="indefinite" nodeType="mainSeq">
-                <p:childTnLst>
-                  <p:par>
-                    <p:cTn id="3" fill="hold">
-                      <p:stCondLst>
-                        <p:cond delay="indefinite"/>
-                        <p:cond evt="onBegin" delay="0">
-                          <p:tn val="2"/>
-                        </p:cond>
-                      </p:stCondLst>
-                      <p:childTnLst>
-                        <p:par>
-                          <p:cTn id="4" fill="hold">
-                            <p:stCondLst>
-                              <p:cond delay="0"/>
-                            </p:stCondLst>
-                            <p:childTnLst>
-                              <p:par>
-                                <p:cTn id="5" presetID="10" presetClass="entr" presetSubtype="0" fill="hold" grpId="0" nodeType="afterEffect">
-                                  <p:stCondLst>
-                                    <p:cond delay="0"/>
-                                  </p:stCondLst>
-                                  <p:childTnLst>
-                                    <p:set>
-                                      <p:cBhvr>
-                                        <p:cTn id="6" dur="1" fill="hold">
-                                          <p:stCondLst>
-                                            <p:cond delay="0"/>
-                                          </p:stCondLst>
-                                        </p:cTn>
-                                        <p:tgtEl>
-                                          <p:spTgt spid="51"/>
-                                        </p:tgtEl>
-                                        <p:attrNameLst>
-                                          <p:attrName>style.visibility</p:attrName>
-                                        </p:attrNameLst>
-                                      </p:cBhvr>
-                                      <p:to>
-                                        <p:strVal val="visible"/>
-                                      </p:to>
-                                    </p:set>
-                                    <p:animEffect transition="in" filter="fade">
-                                      <p:cBhvr>
-                                        <p:cTn id="7" dur="500"/>
-                                        <p:tgtEl>
-                                          <p:spTgt spid="51"/>
-                                        </p:tgtEl>
-                                      </p:cBhvr>
-                                    </p:animEffect>
-                                  </p:childTnLst>
-                                </p:cTn>
-                              </p:par>
-                            </p:childTnLst>
-                          </p:cTn>
-                        </p:par>
-                        <p:par>
-                          <p:cTn id="8" fill="hold">
-                            <p:stCondLst>
-                              <p:cond delay="500"/>
-                            </p:stCondLst>
-                            <p:childTnLst>
-                              <p:par>
-                                <p:cTn id="9" presetID="22" presetClass="entr" presetSubtype="8" fill="hold" grpId="0" nodeType="afterEffect">
-                                  <p:stCondLst>
-                                    <p:cond delay="0"/>
-                                  </p:stCondLst>
-                                  <p:childTnLst>
-                                    <p:set>
-                                      <p:cBhvr>
-                                        <p:cTn id="10" dur="1" fill="hold">
-                                          <p:stCondLst>
-                                            <p:cond delay="0"/>
-                                          </p:stCondLst>
-                                        </p:cTn>
-                                        <p:tgtEl>
-                                          <p:spTgt spid="47"/>
-                                        </p:tgtEl>
-                                        <p:attrNameLst>
-                                          <p:attrName>style.visibility</p:attrName>
-                                        </p:attrNameLst>
-                                      </p:cBhvr>
-                                      <p:to>
-                                        <p:strVal val="visible"/>
-                                      </p:to>
-                                    </p:set>
-                                    <p:animEffect transition="in" filter="wipe(left)">
-                                      <p:cBhvr>
-                                        <p:cTn id="11" dur="500"/>
-                                        <p:tgtEl>
-                                          <p:spTgt spid="47"/>
-                                        </p:tgtEl>
-                                      </p:cBhvr>
-                                    </p:animEffect>
-                                  </p:childTnLst>
-                                </p:cTn>
-                              </p:par>
-                            </p:childTnLst>
-                          </p:cTn>
-                        </p:par>
-                        <p:par>
-                          <p:cTn id="12" fill="hold">
-                            <p:stCondLst>
-                              <p:cond delay="1000"/>
-                            </p:stCondLst>
-                            <p:childTnLst>
-                              <p:par>
-                                <p:cTn id="13" presetID="22" presetClass="entr" presetSubtype="8" fill="hold" grpId="0" nodeType="afterEffect">
-                                  <p:stCondLst>
-                                    <p:cond delay="0"/>
-                                  </p:stCondLst>
-                                  <p:childTnLst>
-                                    <p:set>
-                                      <p:cBhvr>
-                                        <p:cTn id="14" dur="1" fill="hold">
-                                          <p:stCondLst>
-                                            <p:cond delay="0"/>
-                                          </p:stCondLst>
-                                        </p:cTn>
-                                        <p:tgtEl>
-                                          <p:spTgt spid="48"/>
-                                        </p:tgtEl>
-                                        <p:attrNameLst>
-                                          <p:attrName>style.visibility</p:attrName>
-                                        </p:attrNameLst>
-                                      </p:cBhvr>
-                                      <p:to>
-                                        <p:strVal val="visible"/>
-                                      </p:to>
-                                    </p:set>
-                                    <p:animEffect transition="in" filter="wipe(left)">
-                                      <p:cBhvr>
-                                        <p:cTn id="15" dur="500"/>
-                                        <p:tgtEl>
-                                          <p:spTgt spid="48"/>
-                                        </p:tgtEl>
-                                      </p:cBhvr>
-                                    </p:animEffect>
-                                  </p:childTnLst>
-                                </p:cTn>
-                              </p:par>
-                            </p:childTnLst>
-                          </p:cTn>
-                        </p:par>
-                        <p:par>
-                          <p:cTn id="16" fill="hold">
-                            <p:stCondLst>
-                              <p:cond delay="1500"/>
-                            </p:stCondLst>
-                            <p:childTnLst>
-                              <p:par>
-                                <p:cTn id="17" presetID="22" presetClass="entr" presetSubtype="8" fill="hold" grpId="0" nodeType="afterEffect">
-                                  <p:stCondLst>
-                                    <p:cond delay="0"/>
-                                  </p:stCondLst>
-                                  <p:childTnLst>
-                                    <p:set>
-                                      <p:cBhvr>
-                                        <p:cTn id="18" dur="1" fill="hold">
-                                          <p:stCondLst>
-                                            <p:cond delay="0"/>
-                                          </p:stCondLst>
-                                        </p:cTn>
-                                        <p:tgtEl>
-                                          <p:spTgt spid="52"/>
-                                        </p:tgtEl>
-                                        <p:attrNameLst>
-                                          <p:attrName>style.visibility</p:attrName>
-                                        </p:attrNameLst>
-                                      </p:cBhvr>
-                                      <p:to>
-                                        <p:strVal val="visible"/>
-                                      </p:to>
-                                    </p:set>
-                                    <p:animEffect transition="in" filter="wipe(left)">
-                                      <p:cBhvr>
-                                        <p:cTn id="19" dur="500"/>
-                                        <p:tgtEl>
-                                          <p:spTgt spid="52"/>
-                                        </p:tgtEl>
-                                      </p:cBhvr>
-                                    </p:animEffect>
-                                  </p:childTnLst>
-                                </p:cTn>
-                              </p:par>
-                            </p:childTnLst>
-                          </p:cTn>
-                        </p:par>
-                        <p:par>
-                          <p:cTn id="20" fill="hold">
-                            <p:stCondLst>
-                              <p:cond delay="2000"/>
-                            </p:stCondLst>
-                            <p:childTnLst>
-                              <p:par>
-                                <p:cTn id="21" presetID="22" presetClass="entr" presetSubtype="8" fill="hold" grpId="0" nodeType="afterEffect">
-                                  <p:stCondLst>
-                                    <p:cond delay="0"/>
-                                  </p:stCondLst>
-                                  <p:childTnLst>
-                                    <p:set>
-                                      <p:cBhvr>
-                                        <p:cTn id="22" dur="1" fill="hold">
-                                          <p:stCondLst>
-                                            <p:cond delay="0"/>
-                                          </p:stCondLst>
-                                        </p:cTn>
-                                        <p:tgtEl>
-                                          <p:spTgt spid="53"/>
-                                        </p:tgtEl>
-                                        <p:attrNameLst>
-                                          <p:attrName>style.visibility</p:attrName>
-                                        </p:attrNameLst>
-                                      </p:cBhvr>
-                                      <p:to>
-                                        <p:strVal val="visible"/>
-                                      </p:to>
-                                    </p:set>
-                                    <p:animEffect transition="in" filter="wipe(left)">
-                                      <p:cBhvr>
-                                        <p:cTn id="23" dur="500"/>
-                                        <p:tgtEl>
-                                          <p:spTgt spid="53"/>
-                                        </p:tgtEl>
-                                      </p:cBhvr>
-                                    </p:animEffect>
-                                  </p:childTnLst>
-                                </p:cTn>
-                              </p:par>
-                            </p:childTnLst>
-                          </p:cTn>
-                        </p:par>
-                        <p:par>
-                          <p:cTn id="24" fill="hold">
-                            <p:stCondLst>
-                              <p:cond delay="2500"/>
-                            </p:stCondLst>
-                            <p:childTnLst>
-                              <p:par>
-                                <p:cTn id="25" presetID="10" presetClass="entr" presetSubtype="0" fill="hold" grpId="0" nodeType="afterEffect">
-                                  <p:stCondLst>
-                                    <p:cond delay="0"/>
-                                  </p:stCondLst>
-                                  <p:childTnLst>
-                                    <p:set>
-                                      <p:cBhvr>
-                                        <p:cTn id="26" dur="1" fill="hold">
-                                          <p:stCondLst>
-                                            <p:cond delay="0"/>
-                                          </p:stCondLst>
-                                        </p:cTn>
-                                        <p:tgtEl>
-                                          <p:spTgt spid="49"/>
-                                        </p:tgtEl>
-                                        <p:attrNameLst>
-                                          <p:attrName>style.visibility</p:attrName>
-                                        </p:attrNameLst>
-                                      </p:cBhvr>
-                                      <p:to>
-                                        <p:strVal val="visible"/>
-                                      </p:to>
-                                    </p:set>
-                                    <p:animEffect transition="in" filter="fade">
-                                      <p:cBhvr>
-                                        <p:cTn id="27" dur="500"/>
-                                        <p:tgtEl>
-                                          <p:spTgt spid="49"/>
-                                        </p:tgtEl>
-                                      </p:cBhvr>
-                                    </p:animEffect>
-                                  </p:childTnLst>
-                                </p:cTn>
-                              </p:par>
-                            </p:childTnLst>
-                          </p:cTn>
-                        </p:par>
-                        <p:par>
-                          <p:cTn id="28" fill="hold">
-                            <p:stCondLst>
-                              <p:cond delay="3000"/>
-                            </p:stCondLst>
-                            <p:childTnLst>
-                              <p:par>
-                                <p:cTn id="29" presetID="10" presetClass="entr" presetSubtype="0" fill="hold" grpId="0" nodeType="afterEffect">
-                                  <p:stCondLst>
-                                    <p:cond delay="0"/>
-                                  </p:stCondLst>
-                                  <p:childTnLst>
-                                    <p:set>
-                                      <p:cBhvr>
-                                        <p:cTn id="30" dur="1" fill="hold">
-                                          <p:stCondLst>
-                                            <p:cond delay="0"/>
-                                          </p:stCondLst>
-                                        </p:cTn>
-                                        <p:tgtEl>
-                                          <p:spTgt spid="54"/>
-                                        </p:tgtEl>
-                                        <p:attrNameLst>
-                                          <p:attrName>style.visibility</p:attrName>
-                                        </p:attrNameLst>
-                                      </p:cBhvr>
-                                      <p:to>
-                                        <p:strVal val="visible"/>
-                                      </p:to>
-                                    </p:set>
-                                    <p:animEffect transition="in" filter="fade">
-                                      <p:cBhvr>
-                                        <p:cTn id="31" dur="500"/>
-                                        <p:tgtEl>
-                                          <p:spTgt spid="54"/>
-                                        </p:tgtEl>
-                                      </p:cBhvr>
-                                    </p:animEffect>
-                                  </p:childTnLst>
-                                </p:cTn>
-                              </p:par>
-                            </p:childTnLst>
-                          </p:cTn>
-                        </p:par>
-                      </p:childTnLst>
-                    </p:cTn>
-                  </p:par>
-                </p:childTnLst>
-              </p:cTn>
-              <p:prevCondLst>
-                <p:cond evt="onPrev" delay="0">
-                  <p:tgtEl>
-                    <p:sldTgt/>
-                  </p:tgtEl>
-                </p:cond>
-              </p:prevCondLst>
-              <p:nextCondLst>
-                <p:cond evt="onNext" delay="0">
-                  <p:tgtEl>
-                    <p:sldTgt/>
-                  </p:tgtEl>
-                </p:cond>
-              </p:nextCondLst>
-            </p:seq>
-          </p:childTnLst>
-        </p:cTn>
-      </p:par>
-    </p:tnLst>
-    <p:bldLst>
-      <p:bldP spid="47" grpId="0"/>
-      <p:bldP spid="48" grpId="0"/>
-      <p:bldP spid="49" grpId="0"/>
-      <p:bldP spid="51" grpId="0"/>
-      <p:bldP spid="52" grpId="0"/>
-      <p:bldP spid="53" grpId="0"/>
-      <p:bldP spid="54" grpId="0"/>
-    </p:bldLst>
-  </p:timing>
-</p:sld>
-</file>
-
-<file path=ppt/slides/slide13.xml><?xml version="1.0" encoding="utf-8"?>
-<p:sld xmlns:a="http://schemas.openxmlformats.org/drawingml/2006/main" xmlns:r="http://schemas.openxmlformats.org/officeDocument/2006/relationships" xmlns:p="http://schemas.openxmlformats.org/presentationml/2006/main">
-  <p:cSld>
-    <p:spTree>
-      <p:nvGrpSpPr>
-        <p:cNvPr id="1" name=""/>
-        <p:cNvGrpSpPr/>
-        <p:nvPr/>
-      </p:nvGrpSpPr>
-      <p:grpSpPr>
-        <a:xfrm>
-          <a:off x="0" y="0"/>
-          <a:ext cx="0" cy="0"/>
-          <a:chOff x="0" y="0"/>
-          <a:chExt cx="0" cy="0"/>
-        </a:xfrm>
-      </p:grpSpPr>
       <p:pic>
         <p:nvPicPr>
           <p:cNvPr id="5" name="图片 4"/>
@@ -8763,7 +7891,7 @@
 </p:sld>
 </file>
 
-<file path=ppt/slides/slide14.xml><?xml version="1.0" encoding="utf-8"?>
+<file path=ppt/slides/slide13.xml><?xml version="1.0" encoding="utf-8"?>
 <p:sld xmlns:a="http://schemas.openxmlformats.org/drawingml/2006/main" xmlns:r="http://schemas.openxmlformats.org/officeDocument/2006/relationships" xmlns:p="http://schemas.openxmlformats.org/presentationml/2006/main">
   <p:cSld>
     <p:spTree>
@@ -9046,7 +8174,7 @@
 </p:sld>
 </file>
 
-<file path=ppt/slides/slide15.xml><?xml version="1.0" encoding="utf-8"?>
+<file path=ppt/slides/slide14.xml><?xml version="1.0" encoding="utf-8"?>
 <p:sld xmlns:a="http://schemas.openxmlformats.org/drawingml/2006/main" xmlns:r="http://schemas.openxmlformats.org/officeDocument/2006/relationships" xmlns:p="http://schemas.openxmlformats.org/presentationml/2006/main">
   <p:cSld>
     <p:spTree>
@@ -10861,7 +9989,7 @@
 </p:sld>
 </file>
 
-<file path=ppt/slides/slide16.xml><?xml version="1.0" encoding="utf-8"?>
+<file path=ppt/slides/slide15.xml><?xml version="1.0" encoding="utf-8"?>
 <p:sld xmlns:a="http://schemas.openxmlformats.org/drawingml/2006/main" xmlns:r="http://schemas.openxmlformats.org/officeDocument/2006/relationships" xmlns:p="http://schemas.openxmlformats.org/presentationml/2006/main">
   <p:cSld>
     <p:spTree>
@@ -11355,7 +10483,7 @@
 </p:sld>
 </file>
 
-<file path=ppt/slides/slide17.xml><?xml version="1.0" encoding="utf-8"?>
+<file path=ppt/slides/slide16.xml><?xml version="1.0" encoding="utf-8"?>
 <p:sld xmlns:a="http://schemas.openxmlformats.org/drawingml/2006/main" xmlns:r="http://schemas.openxmlformats.org/officeDocument/2006/relationships" xmlns:p="http://schemas.openxmlformats.org/presentationml/2006/main">
   <p:cSld>
     <p:spTree>
@@ -11879,7 +11007,7 @@
 </p:sld>
 </file>
 
-<file path=ppt/slides/slide18.xml><?xml version="1.0" encoding="utf-8"?>
+<file path=ppt/slides/slide17.xml><?xml version="1.0" encoding="utf-8"?>
 <p:sld xmlns:a="http://schemas.openxmlformats.org/drawingml/2006/main" xmlns:r="http://schemas.openxmlformats.org/officeDocument/2006/relationships" xmlns:p="http://schemas.openxmlformats.org/presentationml/2006/main">
   <p:cSld>
     <p:bg>

--- a/移动互联导论作业-软件1607-20165018-岑哲栋.pptx
+++ b/移动互联导论作业-软件1607-20165018-岑哲栋.pptx
@@ -19,8 +19,8 @@
     <p:sldId id="292" r:id="rId7"/>
     <p:sldId id="402" r:id="rId8"/>
     <p:sldId id="392" r:id="rId9"/>
-    <p:sldId id="327" r:id="rId10"/>
-    <p:sldId id="403" r:id="rId11"/>
+    <p:sldId id="403" r:id="rId10"/>
+    <p:sldId id="327" r:id="rId11"/>
     <p:sldId id="400" r:id="rId12"/>
     <p:sldId id="394" r:id="rId13"/>
     <p:sldId id="393" r:id="rId14"/>
@@ -821,7 +821,7 @@
     </p:spTree>
     <p:extLst>
       <p:ext uri="{BB962C8B-B14F-4D97-AF65-F5344CB8AC3E}">
-        <p14:creationId xmlns:p14="http://schemas.microsoft.com/office/powerpoint/2010/main" val="3362705500"/>
+        <p14:creationId xmlns:p14="http://schemas.microsoft.com/office/powerpoint/2010/main" val="949721230"/>
       </p:ext>
     </p:extLst>
   </p:cSld>
@@ -1759,7 +1759,7 @@
     </p:spTree>
     <p:extLst>
       <p:ext uri="{BB962C8B-B14F-4D97-AF65-F5344CB8AC3E}">
-        <p14:creationId xmlns:p14="http://schemas.microsoft.com/office/powerpoint/2010/main" val="949721230"/>
+        <p14:creationId xmlns:p14="http://schemas.microsoft.com/office/powerpoint/2010/main" val="3362705500"/>
       </p:ext>
     </p:extLst>
   </p:cSld>
@@ -6912,7 +6912,7 @@
                 <a:latin typeface="幼圆" panose="02010509060101010101" pitchFamily="49" charset="-122"/>
                 <a:ea typeface="幼圆" panose="02010509060101010101" pitchFamily="49" charset="-122"/>
               </a:rPr>
-              <a:t>向导分类</a:t>
+              <a:t>主要功能概述</a:t>
             </a:r>
             <a:endParaRPr lang="en-GB" altLang="zh-CN" sz="2400" dirty="0">
               <a:solidFill>
@@ -6926,14 +6926,14 @@
       </p:sp>
       <p:sp>
         <p:nvSpPr>
-          <p:cNvPr id="3" name="文本框 2"/>
+          <p:cNvPr id="2" name="文本框 1"/>
           <p:cNvSpPr txBox="1"/>
           <p:nvPr/>
         </p:nvSpPr>
         <p:spPr>
           <a:xfrm>
-            <a:off x="2743201" y="1897335"/>
-            <a:ext cx="3893892" cy="461665"/>
+            <a:off x="8141674" y="1443850"/>
+            <a:ext cx="2101361" cy="646331"/>
           </a:xfrm>
           <a:prstGeom prst="rect">
             <a:avLst/>
@@ -6947,29 +6947,29 @@
           <a:lstStyle/>
           <a:p>
             <a:r>
-              <a:rPr lang="zh-CN" altLang="en-US" sz="2400" dirty="0" smtClean="0">
-                <a:latin typeface="微软雅黑" panose="020B0503020204020204" pitchFamily="34" charset="-122"/>
-                <a:ea typeface="微软雅黑" panose="020B0503020204020204" pitchFamily="34" charset="-122"/>
+              <a:rPr lang="zh-CN" altLang="en-US" sz="3600" dirty="0" smtClean="0">
+                <a:latin typeface="幼圆" panose="02010509060101010101" pitchFamily="49" charset="-122"/>
+                <a:ea typeface="幼圆" panose="02010509060101010101" pitchFamily="49" charset="-122"/>
               </a:rPr>
-              <a:t>导游：需要导游证</a:t>
-            </a:r>
-            <a:endParaRPr lang="zh-CN" altLang="en-US" sz="2400" dirty="0">
-              <a:latin typeface="微软雅黑" panose="020B0503020204020204" pitchFamily="34" charset="-122"/>
-              <a:ea typeface="微软雅黑" panose="020B0503020204020204" pitchFamily="34" charset="-122"/>
+              <a:t>游客</a:t>
+            </a:r>
+            <a:endParaRPr lang="zh-CN" altLang="en-US" sz="3600" dirty="0">
+              <a:latin typeface="幼圆" panose="02010509060101010101" pitchFamily="49" charset="-122"/>
+              <a:ea typeface="幼圆" panose="02010509060101010101" pitchFamily="49" charset="-122"/>
             </a:endParaRPr>
           </a:p>
         </p:txBody>
       </p:sp>
       <p:sp>
         <p:nvSpPr>
-          <p:cNvPr id="5" name="文本框 4"/>
+          <p:cNvPr id="4" name="文本框 3"/>
           <p:cNvSpPr txBox="1"/>
           <p:nvPr/>
         </p:nvSpPr>
         <p:spPr>
           <a:xfrm>
-            <a:off x="8160238" y="1883449"/>
-            <a:ext cx="3825753" cy="830997"/>
+            <a:off x="7607300" y="2326490"/>
+            <a:ext cx="2875085" cy="3416320"/>
           </a:xfrm>
           <a:prstGeom prst="rect">
             <a:avLst/>
@@ -6982,12 +6982,19 @@
           </a:bodyPr>
           <a:lstStyle/>
           <a:p>
+            <a:pPr marL="285750" indent="-285750">
+              <a:lnSpc>
+                <a:spcPct val="150000"/>
+              </a:lnSpc>
+              <a:buFont typeface="Arial" panose="020B0604020202020204" pitchFamily="34" charset="0"/>
+              <a:buChar char="•"/>
+            </a:pPr>
             <a:r>
               <a:rPr lang="zh-CN" altLang="en-US" sz="2400" dirty="0" smtClean="0">
                 <a:latin typeface="微软雅黑" panose="020B0503020204020204" pitchFamily="34" charset="-122"/>
                 <a:ea typeface="微软雅黑" panose="020B0503020204020204" pitchFamily="34" charset="-122"/>
               </a:rPr>
-              <a:t>陪玩：不需要导游证，</a:t>
+              <a:t>查看行程信息</a:t>
             </a:r>
             <a:endParaRPr lang="en-US" altLang="zh-CN" sz="2400" dirty="0" smtClean="0">
               <a:latin typeface="微软雅黑" panose="020B0503020204020204" pitchFamily="34" charset="-122"/>
@@ -6995,12 +7002,99 @@
             </a:endParaRPr>
           </a:p>
           <a:p>
+            <a:pPr marL="285750" indent="-285750">
+              <a:lnSpc>
+                <a:spcPct val="150000"/>
+              </a:lnSpc>
+              <a:buFont typeface="Arial" panose="020B0604020202020204" pitchFamily="34" charset="0"/>
+              <a:buChar char="•"/>
+            </a:pPr>
             <a:r>
               <a:rPr lang="zh-CN" altLang="en-US" sz="2400" dirty="0" smtClean="0">
                 <a:latin typeface="微软雅黑" panose="020B0503020204020204" pitchFamily="34" charset="-122"/>
                 <a:ea typeface="微软雅黑" panose="020B0503020204020204" pitchFamily="34" charset="-122"/>
               </a:rPr>
-              <a:t>需要工作证明或者学生证</a:t>
+              <a:t>发布旅游任务</a:t>
+            </a:r>
+            <a:endParaRPr lang="en-US" altLang="zh-CN" sz="2400" dirty="0" smtClean="0">
+              <a:latin typeface="微软雅黑" panose="020B0503020204020204" pitchFamily="34" charset="-122"/>
+              <a:ea typeface="微软雅黑" panose="020B0503020204020204" pitchFamily="34" charset="-122"/>
+            </a:endParaRPr>
+          </a:p>
+          <a:p>
+            <a:pPr marL="285750" indent="-285750">
+              <a:lnSpc>
+                <a:spcPct val="150000"/>
+              </a:lnSpc>
+              <a:buFont typeface="Arial" panose="020B0604020202020204" pitchFamily="34" charset="0"/>
+              <a:buChar char="•"/>
+            </a:pPr>
+            <a:r>
+              <a:rPr lang="zh-CN" altLang="en-US" sz="2400" dirty="0" smtClean="0">
+                <a:latin typeface="微软雅黑" panose="020B0503020204020204" pitchFamily="34" charset="-122"/>
+                <a:ea typeface="微软雅黑" panose="020B0503020204020204" pitchFamily="34" charset="-122"/>
+              </a:rPr>
+              <a:t>与向导交流</a:t>
+            </a:r>
+            <a:endParaRPr lang="en-US" altLang="zh-CN" sz="2400" dirty="0" smtClean="0">
+              <a:latin typeface="微软雅黑" panose="020B0503020204020204" pitchFamily="34" charset="-122"/>
+              <a:ea typeface="微软雅黑" panose="020B0503020204020204" pitchFamily="34" charset="-122"/>
+            </a:endParaRPr>
+          </a:p>
+          <a:p>
+            <a:pPr marL="285750" indent="-285750">
+              <a:lnSpc>
+                <a:spcPct val="150000"/>
+              </a:lnSpc>
+              <a:buFont typeface="Arial" panose="020B0604020202020204" pitchFamily="34" charset="0"/>
+              <a:buChar char="•"/>
+            </a:pPr>
+            <a:r>
+              <a:rPr lang="zh-CN" altLang="en-US" sz="2400" dirty="0" smtClean="0">
+                <a:latin typeface="微软雅黑" panose="020B0503020204020204" pitchFamily="34" charset="-122"/>
+                <a:ea typeface="微软雅黑" panose="020B0503020204020204" pitchFamily="34" charset="-122"/>
+              </a:rPr>
+              <a:t>支付</a:t>
+            </a:r>
+            <a:endParaRPr lang="en-US" altLang="zh-CN" sz="2400" dirty="0" smtClean="0">
+              <a:latin typeface="微软雅黑" panose="020B0503020204020204" pitchFamily="34" charset="-122"/>
+              <a:ea typeface="微软雅黑" panose="020B0503020204020204" pitchFamily="34" charset="-122"/>
+            </a:endParaRPr>
+          </a:p>
+          <a:p>
+            <a:pPr marL="285750" indent="-285750">
+              <a:lnSpc>
+                <a:spcPct val="150000"/>
+              </a:lnSpc>
+              <a:buFont typeface="Arial" panose="020B0604020202020204" pitchFamily="34" charset="0"/>
+              <a:buChar char="•"/>
+            </a:pPr>
+            <a:r>
+              <a:rPr lang="zh-CN" altLang="en-US" sz="2400" dirty="0" smtClean="0">
+                <a:latin typeface="微软雅黑" panose="020B0503020204020204" pitchFamily="34" charset="-122"/>
+                <a:ea typeface="微软雅黑" panose="020B0503020204020204" pitchFamily="34" charset="-122"/>
+              </a:rPr>
+              <a:t>评价向导</a:t>
+            </a:r>
+            <a:endParaRPr lang="en-US" altLang="zh-CN" sz="2400" dirty="0" smtClean="0">
+              <a:latin typeface="微软雅黑" panose="020B0503020204020204" pitchFamily="34" charset="-122"/>
+              <a:ea typeface="微软雅黑" panose="020B0503020204020204" pitchFamily="34" charset="-122"/>
+            </a:endParaRPr>
+          </a:p>
+          <a:p>
+            <a:pPr marL="285750" indent="-285750">
+              <a:lnSpc>
+                <a:spcPct val="150000"/>
+              </a:lnSpc>
+              <a:buFont typeface="Arial" panose="020B0604020202020204" pitchFamily="34" charset="0"/>
+              <a:buChar char="•"/>
+            </a:pPr>
+            <a:r>
+              <a:rPr lang="zh-CN" altLang="en-US" sz="2400" dirty="0" smtClean="0">
+                <a:latin typeface="微软雅黑" panose="020B0503020204020204" pitchFamily="34" charset="-122"/>
+                <a:ea typeface="微软雅黑" panose="020B0503020204020204" pitchFamily="34" charset="-122"/>
+              </a:rPr>
+              <a:t>社区</a:t>
             </a:r>
             <a:endParaRPr lang="zh-CN" altLang="en-US" sz="2400" dirty="0">
               <a:latin typeface="微软雅黑" panose="020B0503020204020204" pitchFamily="34" charset="-122"/>
@@ -7011,14 +7105,14 @@
       </p:sp>
       <p:sp>
         <p:nvSpPr>
-          <p:cNvPr id="6" name="文本框 5"/>
+          <p:cNvPr id="15" name="文本框 14"/>
           <p:cNvSpPr txBox="1"/>
           <p:nvPr/>
         </p:nvSpPr>
         <p:spPr>
           <a:xfrm>
-            <a:off x="6509237" y="4883154"/>
-            <a:ext cx="4437185" cy="523220"/>
+            <a:off x="2784233" y="1420538"/>
+            <a:ext cx="2101361" cy="646331"/>
           </a:xfrm>
           <a:prstGeom prst="rect">
             <a:avLst/>
@@ -7032,113 +7126,166 @@
           <a:lstStyle/>
           <a:p>
             <a:r>
-              <a:rPr lang="zh-CN" altLang="en-US" sz="2800" dirty="0" smtClean="0">
-                <a:latin typeface="微软雅黑" panose="020B0503020204020204" pitchFamily="34" charset="-122"/>
-                <a:ea typeface="微软雅黑" panose="020B0503020204020204" pitchFamily="34" charset="-122"/>
+              <a:rPr lang="zh-CN" altLang="en-US" sz="3600" dirty="0" smtClean="0">
+                <a:latin typeface="幼圆" panose="02010509060101010101" pitchFamily="49" charset="-122"/>
+                <a:ea typeface="幼圆" panose="02010509060101010101" pitchFamily="49" charset="-122"/>
               </a:rPr>
-              <a:t>如同出租车和快车关系</a:t>
-            </a:r>
-            <a:endParaRPr lang="zh-CN" altLang="en-US" sz="2800" dirty="0">
-              <a:latin typeface="微软雅黑" panose="020B0503020204020204" pitchFamily="34" charset="-122"/>
-              <a:ea typeface="微软雅黑" panose="020B0503020204020204" pitchFamily="34" charset="-122"/>
+              <a:t>向导</a:t>
+            </a:r>
+            <a:endParaRPr lang="zh-CN" altLang="en-US" sz="3600" dirty="0">
+              <a:latin typeface="幼圆" panose="02010509060101010101" pitchFamily="49" charset="-122"/>
+              <a:ea typeface="幼圆" panose="02010509060101010101" pitchFamily="49" charset="-122"/>
             </a:endParaRPr>
           </a:p>
         </p:txBody>
       </p:sp>
-      <p:pic>
-        <p:nvPicPr>
-          <p:cNvPr id="7" name="图片 6"/>
-          <p:cNvPicPr>
-            <a:picLocks noChangeAspect="1"/>
-          </p:cNvPicPr>
+      <p:sp>
+        <p:nvSpPr>
+          <p:cNvPr id="18" name="文本框 17"/>
+          <p:cNvSpPr txBox="1"/>
           <p:nvPr/>
-        </p:nvPicPr>
-        <p:blipFill>
-          <a:blip r:embed="rId4">
-            <a:extLst>
-              <a:ext uri="{28A0092B-C50C-407E-A947-70E740481C1C}">
-                <a14:useLocalDpi xmlns:a14="http://schemas.microsoft.com/office/drawing/2010/main" val="0"/>
-              </a:ext>
-            </a:extLst>
-          </a:blip>
-          <a:stretch>
-            <a:fillRect/>
-          </a:stretch>
-        </p:blipFill>
+        </p:nvSpPr>
         <p:spPr>
           <a:xfrm>
-            <a:off x="2720732" y="4440301"/>
-            <a:ext cx="2714625" cy="1685925"/>
+            <a:off x="2192214" y="2326490"/>
+            <a:ext cx="2875085" cy="3416320"/>
           </a:xfrm>
           <a:prstGeom prst="rect">
             <a:avLst/>
           </a:prstGeom>
+          <a:noFill/>
         </p:spPr>
-      </p:pic>
-      <p:pic>
-        <p:nvPicPr>
-          <p:cNvPr id="10" name="图片 9"/>
-          <p:cNvPicPr>
-            <a:picLocks noChangeAspect="1"/>
-          </p:cNvPicPr>
-          <p:nvPr/>
-        </p:nvPicPr>
-        <p:blipFill>
-          <a:blip r:embed="rId5">
-            <a:extLst>
-              <a:ext uri="{28A0092B-C50C-407E-A947-70E740481C1C}">
-                <a14:useLocalDpi xmlns:a14="http://schemas.microsoft.com/office/drawing/2010/main" val="0"/>
-              </a:ext>
-            </a:extLst>
-          </a:blip>
-          <a:stretch>
-            <a:fillRect/>
-          </a:stretch>
-        </p:blipFill>
-        <p:spPr>
-          <a:xfrm>
-            <a:off x="5529758" y="1530783"/>
-            <a:ext cx="2630480" cy="2873771"/>
-          </a:xfrm>
-          <a:prstGeom prst="rect">
-            <a:avLst/>
-          </a:prstGeom>
-        </p:spPr>
-      </p:pic>
-      <p:pic>
-        <p:nvPicPr>
-          <p:cNvPr id="11" name="图片 10"/>
-          <p:cNvPicPr>
-            <a:picLocks noChangeAspect="1"/>
-          </p:cNvPicPr>
-          <p:nvPr/>
-        </p:nvPicPr>
-        <p:blipFill>
-          <a:blip r:embed="rId6" cstate="print">
-            <a:extLst>
-              <a:ext uri="{28A0092B-C50C-407E-A947-70E740481C1C}">
-                <a14:useLocalDpi xmlns:a14="http://schemas.microsoft.com/office/drawing/2010/main" val="0"/>
-              </a:ext>
-            </a:extLst>
-          </a:blip>
-          <a:stretch>
-            <a:fillRect/>
-          </a:stretch>
-        </p:blipFill>
-        <p:spPr>
-          <a:xfrm>
-            <a:off x="555977" y="1311281"/>
-            <a:ext cx="2131540" cy="3033346"/>
-          </a:xfrm>
-          <a:prstGeom prst="rect">
-            <a:avLst/>
-          </a:prstGeom>
-        </p:spPr>
-      </p:pic>
+        <p:txBody>
+          <a:bodyPr wrap="square" rtlCol="0">
+            <a:spAutoFit/>
+          </a:bodyPr>
+          <a:lstStyle/>
+          <a:p>
+            <a:pPr marL="285750" indent="-285750">
+              <a:lnSpc>
+                <a:spcPct val="150000"/>
+              </a:lnSpc>
+              <a:buFont typeface="Arial" panose="020B0604020202020204" pitchFamily="34" charset="0"/>
+              <a:buChar char="•"/>
+            </a:pPr>
+            <a:r>
+              <a:rPr lang="zh-CN" altLang="en-US" sz="2400" dirty="0" smtClean="0">
+                <a:latin typeface="微软雅黑" panose="020B0503020204020204" pitchFamily="34" charset="-122"/>
+                <a:ea typeface="微软雅黑" panose="020B0503020204020204" pitchFamily="34" charset="-122"/>
+              </a:rPr>
+              <a:t>发布行程信息</a:t>
+            </a:r>
+            <a:endParaRPr lang="en-US" altLang="zh-CN" sz="2400" dirty="0" smtClean="0">
+              <a:latin typeface="微软雅黑" panose="020B0503020204020204" pitchFamily="34" charset="-122"/>
+              <a:ea typeface="微软雅黑" panose="020B0503020204020204" pitchFamily="34" charset="-122"/>
+            </a:endParaRPr>
+          </a:p>
+          <a:p>
+            <a:pPr marL="285750" indent="-285750">
+              <a:lnSpc>
+                <a:spcPct val="150000"/>
+              </a:lnSpc>
+              <a:buFont typeface="Arial" panose="020B0604020202020204" pitchFamily="34" charset="0"/>
+              <a:buChar char="•"/>
+            </a:pPr>
+            <a:r>
+              <a:rPr lang="zh-CN" altLang="en-US" sz="2400" dirty="0" smtClean="0">
+                <a:latin typeface="微软雅黑" panose="020B0503020204020204" pitchFamily="34" charset="-122"/>
+                <a:ea typeface="微软雅黑" panose="020B0503020204020204" pitchFamily="34" charset="-122"/>
+              </a:rPr>
+              <a:t>接旅游任务</a:t>
+            </a:r>
+            <a:endParaRPr lang="en-US" altLang="zh-CN" sz="2400" dirty="0" smtClean="0">
+              <a:latin typeface="微软雅黑" panose="020B0503020204020204" pitchFamily="34" charset="-122"/>
+              <a:ea typeface="微软雅黑" panose="020B0503020204020204" pitchFamily="34" charset="-122"/>
+            </a:endParaRPr>
+          </a:p>
+          <a:p>
+            <a:pPr marL="285750" indent="-285750">
+              <a:lnSpc>
+                <a:spcPct val="150000"/>
+              </a:lnSpc>
+              <a:buFont typeface="Arial" panose="020B0604020202020204" pitchFamily="34" charset="0"/>
+              <a:buChar char="•"/>
+            </a:pPr>
+            <a:r>
+              <a:rPr lang="zh-CN" altLang="en-US" sz="2400" dirty="0" smtClean="0">
+                <a:latin typeface="微软雅黑" panose="020B0503020204020204" pitchFamily="34" charset="-122"/>
+                <a:ea typeface="微软雅黑" panose="020B0503020204020204" pitchFamily="34" charset="-122"/>
+              </a:rPr>
+              <a:t>与游客交流</a:t>
+            </a:r>
+            <a:endParaRPr lang="en-US" altLang="zh-CN" sz="2400" dirty="0" smtClean="0">
+              <a:latin typeface="微软雅黑" panose="020B0503020204020204" pitchFamily="34" charset="-122"/>
+              <a:ea typeface="微软雅黑" panose="020B0503020204020204" pitchFamily="34" charset="-122"/>
+            </a:endParaRPr>
+          </a:p>
+          <a:p>
+            <a:pPr marL="285750" indent="-285750">
+              <a:lnSpc>
+                <a:spcPct val="150000"/>
+              </a:lnSpc>
+              <a:buFont typeface="Arial" panose="020B0604020202020204" pitchFamily="34" charset="0"/>
+              <a:buChar char="•"/>
+            </a:pPr>
+            <a:r>
+              <a:rPr lang="zh-CN" altLang="en-US" sz="2400" dirty="0" smtClean="0">
+                <a:latin typeface="微软雅黑" panose="020B0503020204020204" pitchFamily="34" charset="-122"/>
+                <a:ea typeface="微软雅黑" panose="020B0503020204020204" pitchFamily="34" charset="-122"/>
+              </a:rPr>
+              <a:t>收款</a:t>
+            </a:r>
+            <a:endParaRPr lang="en-US" altLang="zh-CN" sz="2400" dirty="0" smtClean="0">
+              <a:latin typeface="微软雅黑" panose="020B0503020204020204" pitchFamily="34" charset="-122"/>
+              <a:ea typeface="微软雅黑" panose="020B0503020204020204" pitchFamily="34" charset="-122"/>
+            </a:endParaRPr>
+          </a:p>
+          <a:p>
+            <a:pPr marL="285750" indent="-285750">
+              <a:lnSpc>
+                <a:spcPct val="150000"/>
+              </a:lnSpc>
+              <a:buFont typeface="Arial" panose="020B0604020202020204" pitchFamily="34" charset="0"/>
+              <a:buChar char="•"/>
+            </a:pPr>
+            <a:r>
+              <a:rPr lang="zh-CN" altLang="en-US" sz="2400" dirty="0" smtClean="0">
+                <a:latin typeface="微软雅黑" panose="020B0503020204020204" pitchFamily="34" charset="-122"/>
+                <a:ea typeface="微软雅黑" panose="020B0503020204020204" pitchFamily="34" charset="-122"/>
+              </a:rPr>
+              <a:t>评价游客</a:t>
+            </a:r>
+            <a:endParaRPr lang="en-US" altLang="zh-CN" sz="2400" dirty="0" smtClean="0">
+              <a:latin typeface="微软雅黑" panose="020B0503020204020204" pitchFamily="34" charset="-122"/>
+              <a:ea typeface="微软雅黑" panose="020B0503020204020204" pitchFamily="34" charset="-122"/>
+            </a:endParaRPr>
+          </a:p>
+          <a:p>
+            <a:pPr marL="285750" indent="-285750">
+              <a:lnSpc>
+                <a:spcPct val="150000"/>
+              </a:lnSpc>
+              <a:buFont typeface="Arial" panose="020B0604020202020204" pitchFamily="34" charset="0"/>
+              <a:buChar char="•"/>
+            </a:pPr>
+            <a:r>
+              <a:rPr lang="zh-CN" altLang="en-US" sz="2400" dirty="0" smtClean="0">
+                <a:latin typeface="微软雅黑" panose="020B0503020204020204" pitchFamily="34" charset="-122"/>
+                <a:ea typeface="微软雅黑" panose="020B0503020204020204" pitchFamily="34" charset="-122"/>
+              </a:rPr>
+              <a:t>社区</a:t>
+            </a:r>
+            <a:endParaRPr lang="zh-CN" altLang="en-US" sz="2400" dirty="0">
+              <a:latin typeface="微软雅黑" panose="020B0503020204020204" pitchFamily="34" charset="-122"/>
+              <a:ea typeface="微软雅黑" panose="020B0503020204020204" pitchFamily="34" charset="-122"/>
+            </a:endParaRPr>
+          </a:p>
+        </p:txBody>
+      </p:sp>
     </p:spTree>
     <p:extLst>
       <p:ext uri="{BB962C8B-B14F-4D97-AF65-F5344CB8AC3E}">
-        <p14:creationId xmlns:p14="http://schemas.microsoft.com/office/powerpoint/2010/main" val="2208464841"/>
+        <p14:creationId xmlns:p14="http://schemas.microsoft.com/office/powerpoint/2010/main" val="2142305654"/>
       </p:ext>
     </p:extLst>
   </p:cSld>
@@ -18073,7 +18220,7 @@
                 <a:latin typeface="幼圆" panose="02010509060101010101" pitchFamily="49" charset="-122"/>
                 <a:ea typeface="幼圆" panose="02010509060101010101" pitchFamily="49" charset="-122"/>
               </a:rPr>
-              <a:t>主要功能概述</a:t>
+              <a:t>向导分类</a:t>
             </a:r>
             <a:endParaRPr lang="en-GB" altLang="zh-CN" sz="2400" dirty="0">
               <a:solidFill>
@@ -18087,14 +18234,14 @@
       </p:sp>
       <p:sp>
         <p:nvSpPr>
-          <p:cNvPr id="2" name="文本框 1"/>
+          <p:cNvPr id="3" name="文本框 2"/>
           <p:cNvSpPr txBox="1"/>
           <p:nvPr/>
         </p:nvSpPr>
         <p:spPr>
           <a:xfrm>
-            <a:off x="8141674" y="1443850"/>
-            <a:ext cx="2101361" cy="646331"/>
+            <a:off x="2743201" y="1897335"/>
+            <a:ext cx="3893892" cy="461665"/>
           </a:xfrm>
           <a:prstGeom prst="rect">
             <a:avLst/>
@@ -18108,29 +18255,29 @@
           <a:lstStyle/>
           <a:p>
             <a:r>
-              <a:rPr lang="zh-CN" altLang="en-US" sz="3600" dirty="0" smtClean="0">
-                <a:latin typeface="幼圆" panose="02010509060101010101" pitchFamily="49" charset="-122"/>
-                <a:ea typeface="幼圆" panose="02010509060101010101" pitchFamily="49" charset="-122"/>
+              <a:rPr lang="zh-CN" altLang="en-US" sz="2400" dirty="0" smtClean="0">
+                <a:latin typeface="微软雅黑" panose="020B0503020204020204" pitchFamily="34" charset="-122"/>
+                <a:ea typeface="微软雅黑" panose="020B0503020204020204" pitchFamily="34" charset="-122"/>
               </a:rPr>
-              <a:t>游客</a:t>
-            </a:r>
-            <a:endParaRPr lang="zh-CN" altLang="en-US" sz="3600" dirty="0">
-              <a:latin typeface="幼圆" panose="02010509060101010101" pitchFamily="49" charset="-122"/>
-              <a:ea typeface="幼圆" panose="02010509060101010101" pitchFamily="49" charset="-122"/>
+              <a:t>导游：需要导游证</a:t>
+            </a:r>
+            <a:endParaRPr lang="zh-CN" altLang="en-US" sz="2400" dirty="0">
+              <a:latin typeface="微软雅黑" panose="020B0503020204020204" pitchFamily="34" charset="-122"/>
+              <a:ea typeface="微软雅黑" panose="020B0503020204020204" pitchFamily="34" charset="-122"/>
             </a:endParaRPr>
           </a:p>
         </p:txBody>
       </p:sp>
       <p:sp>
         <p:nvSpPr>
-          <p:cNvPr id="4" name="文本框 3"/>
+          <p:cNvPr id="5" name="文本框 4"/>
           <p:cNvSpPr txBox="1"/>
           <p:nvPr/>
         </p:nvSpPr>
         <p:spPr>
           <a:xfrm>
-            <a:off x="7607300" y="2326490"/>
-            <a:ext cx="2875085" cy="3416320"/>
+            <a:off x="8160238" y="1883449"/>
+            <a:ext cx="3825753" cy="830997"/>
           </a:xfrm>
           <a:prstGeom prst="rect">
             <a:avLst/>
@@ -18143,19 +18290,12 @@
           </a:bodyPr>
           <a:lstStyle/>
           <a:p>
-            <a:pPr marL="285750" indent="-285750">
-              <a:lnSpc>
-                <a:spcPct val="150000"/>
-              </a:lnSpc>
-              <a:buFont typeface="Arial" panose="020B0604020202020204" pitchFamily="34" charset="0"/>
-              <a:buChar char="•"/>
-            </a:pPr>
             <a:r>
               <a:rPr lang="zh-CN" altLang="en-US" sz="2400" dirty="0" smtClean="0">
                 <a:latin typeface="微软雅黑" panose="020B0503020204020204" pitchFamily="34" charset="-122"/>
                 <a:ea typeface="微软雅黑" panose="020B0503020204020204" pitchFamily="34" charset="-122"/>
               </a:rPr>
-              <a:t>查看行程信息</a:t>
+              <a:t>陪玩：不需要导游证，</a:t>
             </a:r>
             <a:endParaRPr lang="en-US" altLang="zh-CN" sz="2400" dirty="0" smtClean="0">
               <a:latin typeface="微软雅黑" panose="020B0503020204020204" pitchFamily="34" charset="-122"/>
@@ -18163,99 +18303,12 @@
             </a:endParaRPr>
           </a:p>
           <a:p>
-            <a:pPr marL="285750" indent="-285750">
-              <a:lnSpc>
-                <a:spcPct val="150000"/>
-              </a:lnSpc>
-              <a:buFont typeface="Arial" panose="020B0604020202020204" pitchFamily="34" charset="0"/>
-              <a:buChar char="•"/>
-            </a:pPr>
             <a:r>
               <a:rPr lang="zh-CN" altLang="en-US" sz="2400" dirty="0" smtClean="0">
                 <a:latin typeface="微软雅黑" panose="020B0503020204020204" pitchFamily="34" charset="-122"/>
                 <a:ea typeface="微软雅黑" panose="020B0503020204020204" pitchFamily="34" charset="-122"/>
               </a:rPr>
-              <a:t>发布旅游任务</a:t>
-            </a:r>
-            <a:endParaRPr lang="en-US" altLang="zh-CN" sz="2400" dirty="0" smtClean="0">
-              <a:latin typeface="微软雅黑" panose="020B0503020204020204" pitchFamily="34" charset="-122"/>
-              <a:ea typeface="微软雅黑" panose="020B0503020204020204" pitchFamily="34" charset="-122"/>
-            </a:endParaRPr>
-          </a:p>
-          <a:p>
-            <a:pPr marL="285750" indent="-285750">
-              <a:lnSpc>
-                <a:spcPct val="150000"/>
-              </a:lnSpc>
-              <a:buFont typeface="Arial" panose="020B0604020202020204" pitchFamily="34" charset="0"/>
-              <a:buChar char="•"/>
-            </a:pPr>
-            <a:r>
-              <a:rPr lang="zh-CN" altLang="en-US" sz="2400" dirty="0" smtClean="0">
-                <a:latin typeface="微软雅黑" panose="020B0503020204020204" pitchFamily="34" charset="-122"/>
-                <a:ea typeface="微软雅黑" panose="020B0503020204020204" pitchFamily="34" charset="-122"/>
-              </a:rPr>
-              <a:t>与向导交流</a:t>
-            </a:r>
-            <a:endParaRPr lang="en-US" altLang="zh-CN" sz="2400" dirty="0" smtClean="0">
-              <a:latin typeface="微软雅黑" panose="020B0503020204020204" pitchFamily="34" charset="-122"/>
-              <a:ea typeface="微软雅黑" panose="020B0503020204020204" pitchFamily="34" charset="-122"/>
-            </a:endParaRPr>
-          </a:p>
-          <a:p>
-            <a:pPr marL="285750" indent="-285750">
-              <a:lnSpc>
-                <a:spcPct val="150000"/>
-              </a:lnSpc>
-              <a:buFont typeface="Arial" panose="020B0604020202020204" pitchFamily="34" charset="0"/>
-              <a:buChar char="•"/>
-            </a:pPr>
-            <a:r>
-              <a:rPr lang="zh-CN" altLang="en-US" sz="2400" dirty="0" smtClean="0">
-                <a:latin typeface="微软雅黑" panose="020B0503020204020204" pitchFamily="34" charset="-122"/>
-                <a:ea typeface="微软雅黑" panose="020B0503020204020204" pitchFamily="34" charset="-122"/>
-              </a:rPr>
-              <a:t>支付</a:t>
-            </a:r>
-            <a:endParaRPr lang="en-US" altLang="zh-CN" sz="2400" dirty="0" smtClean="0">
-              <a:latin typeface="微软雅黑" panose="020B0503020204020204" pitchFamily="34" charset="-122"/>
-              <a:ea typeface="微软雅黑" panose="020B0503020204020204" pitchFamily="34" charset="-122"/>
-            </a:endParaRPr>
-          </a:p>
-          <a:p>
-            <a:pPr marL="285750" indent="-285750">
-              <a:lnSpc>
-                <a:spcPct val="150000"/>
-              </a:lnSpc>
-              <a:buFont typeface="Arial" panose="020B0604020202020204" pitchFamily="34" charset="0"/>
-              <a:buChar char="•"/>
-            </a:pPr>
-            <a:r>
-              <a:rPr lang="zh-CN" altLang="en-US" sz="2400" dirty="0" smtClean="0">
-                <a:latin typeface="微软雅黑" panose="020B0503020204020204" pitchFamily="34" charset="-122"/>
-                <a:ea typeface="微软雅黑" panose="020B0503020204020204" pitchFamily="34" charset="-122"/>
-              </a:rPr>
-              <a:t>评价向导</a:t>
-            </a:r>
-            <a:endParaRPr lang="en-US" altLang="zh-CN" sz="2400" dirty="0" smtClean="0">
-              <a:latin typeface="微软雅黑" panose="020B0503020204020204" pitchFamily="34" charset="-122"/>
-              <a:ea typeface="微软雅黑" panose="020B0503020204020204" pitchFamily="34" charset="-122"/>
-            </a:endParaRPr>
-          </a:p>
-          <a:p>
-            <a:pPr marL="285750" indent="-285750">
-              <a:lnSpc>
-                <a:spcPct val="150000"/>
-              </a:lnSpc>
-              <a:buFont typeface="Arial" panose="020B0604020202020204" pitchFamily="34" charset="0"/>
-              <a:buChar char="•"/>
-            </a:pPr>
-            <a:r>
-              <a:rPr lang="zh-CN" altLang="en-US" sz="2400" dirty="0" smtClean="0">
-                <a:latin typeface="微软雅黑" panose="020B0503020204020204" pitchFamily="34" charset="-122"/>
-                <a:ea typeface="微软雅黑" panose="020B0503020204020204" pitchFamily="34" charset="-122"/>
-              </a:rPr>
-              <a:t>社区</a:t>
+              <a:t>需要工作证明或者学生证</a:t>
             </a:r>
             <a:endParaRPr lang="zh-CN" altLang="en-US" sz="2400" dirty="0">
               <a:latin typeface="微软雅黑" panose="020B0503020204020204" pitchFamily="34" charset="-122"/>
@@ -18266,14 +18319,14 @@
       </p:sp>
       <p:sp>
         <p:nvSpPr>
-          <p:cNvPr id="15" name="文本框 14"/>
+          <p:cNvPr id="6" name="文本框 5"/>
           <p:cNvSpPr txBox="1"/>
           <p:nvPr/>
         </p:nvSpPr>
         <p:spPr>
           <a:xfrm>
-            <a:off x="2784233" y="1420538"/>
-            <a:ext cx="2101361" cy="646331"/>
+            <a:off x="6509237" y="4883154"/>
+            <a:ext cx="4437185" cy="523220"/>
           </a:xfrm>
           <a:prstGeom prst="rect">
             <a:avLst/>
@@ -18287,166 +18340,113 @@
           <a:lstStyle/>
           <a:p>
             <a:r>
-              <a:rPr lang="zh-CN" altLang="en-US" sz="3600" dirty="0" smtClean="0">
-                <a:latin typeface="幼圆" panose="02010509060101010101" pitchFamily="49" charset="-122"/>
-                <a:ea typeface="幼圆" panose="02010509060101010101" pitchFamily="49" charset="-122"/>
+              <a:rPr lang="zh-CN" altLang="en-US" sz="2800" dirty="0" smtClean="0">
+                <a:latin typeface="微软雅黑" panose="020B0503020204020204" pitchFamily="34" charset="-122"/>
+                <a:ea typeface="微软雅黑" panose="020B0503020204020204" pitchFamily="34" charset="-122"/>
               </a:rPr>
-              <a:t>向导</a:t>
-            </a:r>
-            <a:endParaRPr lang="zh-CN" altLang="en-US" sz="3600" dirty="0">
-              <a:latin typeface="幼圆" panose="02010509060101010101" pitchFamily="49" charset="-122"/>
-              <a:ea typeface="幼圆" panose="02010509060101010101" pitchFamily="49" charset="-122"/>
+              <a:t>如同出租车和快车关系</a:t>
+            </a:r>
+            <a:endParaRPr lang="zh-CN" altLang="en-US" sz="2800" dirty="0">
+              <a:latin typeface="微软雅黑" panose="020B0503020204020204" pitchFamily="34" charset="-122"/>
+              <a:ea typeface="微软雅黑" panose="020B0503020204020204" pitchFamily="34" charset="-122"/>
             </a:endParaRPr>
           </a:p>
         </p:txBody>
       </p:sp>
-      <p:sp>
-        <p:nvSpPr>
-          <p:cNvPr id="18" name="文本框 17"/>
-          <p:cNvSpPr txBox="1"/>
+      <p:pic>
+        <p:nvPicPr>
+          <p:cNvPr id="7" name="图片 6"/>
+          <p:cNvPicPr>
+            <a:picLocks noChangeAspect="1"/>
+          </p:cNvPicPr>
           <p:nvPr/>
-        </p:nvSpPr>
+        </p:nvPicPr>
+        <p:blipFill>
+          <a:blip r:embed="rId4">
+            <a:extLst>
+              <a:ext uri="{28A0092B-C50C-407E-A947-70E740481C1C}">
+                <a14:useLocalDpi xmlns:a14="http://schemas.microsoft.com/office/drawing/2010/main" val="0"/>
+              </a:ext>
+            </a:extLst>
+          </a:blip>
+          <a:stretch>
+            <a:fillRect/>
+          </a:stretch>
+        </p:blipFill>
         <p:spPr>
           <a:xfrm>
-            <a:off x="2192214" y="2326490"/>
-            <a:ext cx="2875085" cy="3416320"/>
+            <a:off x="2720732" y="4440301"/>
+            <a:ext cx="2714625" cy="1685925"/>
           </a:xfrm>
           <a:prstGeom prst="rect">
             <a:avLst/>
           </a:prstGeom>
-          <a:noFill/>
         </p:spPr>
-        <p:txBody>
-          <a:bodyPr wrap="square" rtlCol="0">
-            <a:spAutoFit/>
-          </a:bodyPr>
-          <a:lstStyle/>
-          <a:p>
-            <a:pPr marL="285750" indent="-285750">
-              <a:lnSpc>
-                <a:spcPct val="150000"/>
-              </a:lnSpc>
-              <a:buFont typeface="Arial" panose="020B0604020202020204" pitchFamily="34" charset="0"/>
-              <a:buChar char="•"/>
-            </a:pPr>
-            <a:r>
-              <a:rPr lang="zh-CN" altLang="en-US" sz="2400" dirty="0" smtClean="0">
-                <a:latin typeface="微软雅黑" panose="020B0503020204020204" pitchFamily="34" charset="-122"/>
-                <a:ea typeface="微软雅黑" panose="020B0503020204020204" pitchFamily="34" charset="-122"/>
-              </a:rPr>
-              <a:t>发布行程信息</a:t>
-            </a:r>
-            <a:endParaRPr lang="en-US" altLang="zh-CN" sz="2400" dirty="0" smtClean="0">
-              <a:latin typeface="微软雅黑" panose="020B0503020204020204" pitchFamily="34" charset="-122"/>
-              <a:ea typeface="微软雅黑" panose="020B0503020204020204" pitchFamily="34" charset="-122"/>
-            </a:endParaRPr>
-          </a:p>
-          <a:p>
-            <a:pPr marL="285750" indent="-285750">
-              <a:lnSpc>
-                <a:spcPct val="150000"/>
-              </a:lnSpc>
-              <a:buFont typeface="Arial" panose="020B0604020202020204" pitchFamily="34" charset="0"/>
-              <a:buChar char="•"/>
-            </a:pPr>
-            <a:r>
-              <a:rPr lang="zh-CN" altLang="en-US" sz="2400" dirty="0" smtClean="0">
-                <a:latin typeface="微软雅黑" panose="020B0503020204020204" pitchFamily="34" charset="-122"/>
-                <a:ea typeface="微软雅黑" panose="020B0503020204020204" pitchFamily="34" charset="-122"/>
-              </a:rPr>
-              <a:t>接旅游任务</a:t>
-            </a:r>
-            <a:endParaRPr lang="en-US" altLang="zh-CN" sz="2400" dirty="0" smtClean="0">
-              <a:latin typeface="微软雅黑" panose="020B0503020204020204" pitchFamily="34" charset="-122"/>
-              <a:ea typeface="微软雅黑" panose="020B0503020204020204" pitchFamily="34" charset="-122"/>
-            </a:endParaRPr>
-          </a:p>
-          <a:p>
-            <a:pPr marL="285750" indent="-285750">
-              <a:lnSpc>
-                <a:spcPct val="150000"/>
-              </a:lnSpc>
-              <a:buFont typeface="Arial" panose="020B0604020202020204" pitchFamily="34" charset="0"/>
-              <a:buChar char="•"/>
-            </a:pPr>
-            <a:r>
-              <a:rPr lang="zh-CN" altLang="en-US" sz="2400" dirty="0" smtClean="0">
-                <a:latin typeface="微软雅黑" panose="020B0503020204020204" pitchFamily="34" charset="-122"/>
-                <a:ea typeface="微软雅黑" panose="020B0503020204020204" pitchFamily="34" charset="-122"/>
-              </a:rPr>
-              <a:t>与游客交流</a:t>
-            </a:r>
-            <a:endParaRPr lang="en-US" altLang="zh-CN" sz="2400" dirty="0" smtClean="0">
-              <a:latin typeface="微软雅黑" panose="020B0503020204020204" pitchFamily="34" charset="-122"/>
-              <a:ea typeface="微软雅黑" panose="020B0503020204020204" pitchFamily="34" charset="-122"/>
-            </a:endParaRPr>
-          </a:p>
-          <a:p>
-            <a:pPr marL="285750" indent="-285750">
-              <a:lnSpc>
-                <a:spcPct val="150000"/>
-              </a:lnSpc>
-              <a:buFont typeface="Arial" panose="020B0604020202020204" pitchFamily="34" charset="0"/>
-              <a:buChar char="•"/>
-            </a:pPr>
-            <a:r>
-              <a:rPr lang="zh-CN" altLang="en-US" sz="2400" dirty="0" smtClean="0">
-                <a:latin typeface="微软雅黑" panose="020B0503020204020204" pitchFamily="34" charset="-122"/>
-                <a:ea typeface="微软雅黑" panose="020B0503020204020204" pitchFamily="34" charset="-122"/>
-              </a:rPr>
-              <a:t>收款</a:t>
-            </a:r>
-            <a:endParaRPr lang="en-US" altLang="zh-CN" sz="2400" dirty="0" smtClean="0">
-              <a:latin typeface="微软雅黑" panose="020B0503020204020204" pitchFamily="34" charset="-122"/>
-              <a:ea typeface="微软雅黑" panose="020B0503020204020204" pitchFamily="34" charset="-122"/>
-            </a:endParaRPr>
-          </a:p>
-          <a:p>
-            <a:pPr marL="285750" indent="-285750">
-              <a:lnSpc>
-                <a:spcPct val="150000"/>
-              </a:lnSpc>
-              <a:buFont typeface="Arial" panose="020B0604020202020204" pitchFamily="34" charset="0"/>
-              <a:buChar char="•"/>
-            </a:pPr>
-            <a:r>
-              <a:rPr lang="zh-CN" altLang="en-US" sz="2400" dirty="0" smtClean="0">
-                <a:latin typeface="微软雅黑" panose="020B0503020204020204" pitchFamily="34" charset="-122"/>
-                <a:ea typeface="微软雅黑" panose="020B0503020204020204" pitchFamily="34" charset="-122"/>
-              </a:rPr>
-              <a:t>评价游客</a:t>
-            </a:r>
-            <a:endParaRPr lang="en-US" altLang="zh-CN" sz="2400" dirty="0" smtClean="0">
-              <a:latin typeface="微软雅黑" panose="020B0503020204020204" pitchFamily="34" charset="-122"/>
-              <a:ea typeface="微软雅黑" panose="020B0503020204020204" pitchFamily="34" charset="-122"/>
-            </a:endParaRPr>
-          </a:p>
-          <a:p>
-            <a:pPr marL="285750" indent="-285750">
-              <a:lnSpc>
-                <a:spcPct val="150000"/>
-              </a:lnSpc>
-              <a:buFont typeface="Arial" panose="020B0604020202020204" pitchFamily="34" charset="0"/>
-              <a:buChar char="•"/>
-            </a:pPr>
-            <a:r>
-              <a:rPr lang="zh-CN" altLang="en-US" sz="2400" dirty="0" smtClean="0">
-                <a:latin typeface="微软雅黑" panose="020B0503020204020204" pitchFamily="34" charset="-122"/>
-                <a:ea typeface="微软雅黑" panose="020B0503020204020204" pitchFamily="34" charset="-122"/>
-              </a:rPr>
-              <a:t>社区</a:t>
-            </a:r>
-            <a:endParaRPr lang="zh-CN" altLang="en-US" sz="2400" dirty="0">
-              <a:latin typeface="微软雅黑" panose="020B0503020204020204" pitchFamily="34" charset="-122"/>
-              <a:ea typeface="微软雅黑" panose="020B0503020204020204" pitchFamily="34" charset="-122"/>
-            </a:endParaRPr>
-          </a:p>
-        </p:txBody>
-      </p:sp>
+      </p:pic>
+      <p:pic>
+        <p:nvPicPr>
+          <p:cNvPr id="10" name="图片 9"/>
+          <p:cNvPicPr>
+            <a:picLocks noChangeAspect="1"/>
+          </p:cNvPicPr>
+          <p:nvPr/>
+        </p:nvPicPr>
+        <p:blipFill>
+          <a:blip r:embed="rId5">
+            <a:extLst>
+              <a:ext uri="{28A0092B-C50C-407E-A947-70E740481C1C}">
+                <a14:useLocalDpi xmlns:a14="http://schemas.microsoft.com/office/drawing/2010/main" val="0"/>
+              </a:ext>
+            </a:extLst>
+          </a:blip>
+          <a:stretch>
+            <a:fillRect/>
+          </a:stretch>
+        </p:blipFill>
+        <p:spPr>
+          <a:xfrm>
+            <a:off x="5529758" y="1530783"/>
+            <a:ext cx="2630480" cy="2873771"/>
+          </a:xfrm>
+          <a:prstGeom prst="rect">
+            <a:avLst/>
+          </a:prstGeom>
+        </p:spPr>
+      </p:pic>
+      <p:pic>
+        <p:nvPicPr>
+          <p:cNvPr id="11" name="图片 10"/>
+          <p:cNvPicPr>
+            <a:picLocks noChangeAspect="1"/>
+          </p:cNvPicPr>
+          <p:nvPr/>
+        </p:nvPicPr>
+        <p:blipFill>
+          <a:blip r:embed="rId6" cstate="print">
+            <a:extLst>
+              <a:ext uri="{28A0092B-C50C-407E-A947-70E740481C1C}">
+                <a14:useLocalDpi xmlns:a14="http://schemas.microsoft.com/office/drawing/2010/main" val="0"/>
+              </a:ext>
+            </a:extLst>
+          </a:blip>
+          <a:stretch>
+            <a:fillRect/>
+          </a:stretch>
+        </p:blipFill>
+        <p:spPr>
+          <a:xfrm>
+            <a:off x="555977" y="1311281"/>
+            <a:ext cx="2131540" cy="3033346"/>
+          </a:xfrm>
+          <a:prstGeom prst="rect">
+            <a:avLst/>
+          </a:prstGeom>
+        </p:spPr>
+      </p:pic>
     </p:spTree>
     <p:extLst>
       <p:ext uri="{BB962C8B-B14F-4D97-AF65-F5344CB8AC3E}">
-        <p14:creationId xmlns:p14="http://schemas.microsoft.com/office/powerpoint/2010/main" val="2142305654"/>
+        <p14:creationId xmlns:p14="http://schemas.microsoft.com/office/powerpoint/2010/main" val="2208464841"/>
       </p:ext>
     </p:extLst>
   </p:cSld>
